--- a/Report 06-05-2025/Ví dụ về cách hoạt động của Decoder.pptx
+++ b/Report 06-05-2025/Ví dụ về cách hoạt động của Decoder.pptx
@@ -228,7 +228,7 @@
           <a:p>
             <a:fld id="{48B45424-6BAC-416C-8F6C-5F9DE854A36B}" type="datetimeFigureOut">
               <a:rPr lang="en-US" smtClean="0"/>
-              <a:t>5/5/2025</a:t>
+              <a:t>5/7/2025</a:t>
             </a:fld>
             <a:endParaRPr lang="en-US"/>
           </a:p>
@@ -406,7 +406,7 @@
           <a:p>
             <a:fld id="{6B733702-C25A-40B9-9167-54BAA79B29B0}" type="datetimeFigureOut">
               <a:rPr lang="en-US" smtClean="0"/>
-              <a:t>5/5/2025</a:t>
+              <a:t>5/7/2025</a:t>
             </a:fld>
             <a:endParaRPr lang="en-US"/>
           </a:p>
@@ -792,7 +792,7 @@
             <a:fld id="{F70EAA40-3A53-4A3D-924A-D38F1059C7D5}" type="datetime1">
               <a:rPr lang="en-US" smtClean="0"/>
               <a:pPr/>
-              <a:t>5/5/2025</a:t>
+              <a:t>5/7/2025</a:t>
             </a:fld>
             <a:endParaRPr lang="en-US"/>
           </a:p>
@@ -1126,7 +1126,7 @@
             <a:fld id="{F70EAA40-3A53-4A3D-924A-D38F1059C7D5}" type="datetime1">
               <a:rPr lang="en-US" smtClean="0"/>
               <a:pPr/>
-              <a:t>5/5/2025</a:t>
+              <a:t>5/7/2025</a:t>
             </a:fld>
             <a:endParaRPr lang="en-US"/>
           </a:p>
@@ -1812,7 +1812,7 @@
             <a:fld id="{F70EAA40-3A53-4A3D-924A-D38F1059C7D5}" type="datetime1">
               <a:rPr lang="en-US" smtClean="0"/>
               <a:pPr/>
-              <a:t>5/5/2025</a:t>
+              <a:t>5/7/2025</a:t>
             </a:fld>
             <a:endParaRPr lang="en-US"/>
           </a:p>
@@ -2002,7 +2002,7 @@
             <a:fld id="{F70EAA40-3A53-4A3D-924A-D38F1059C7D5}" type="datetime1">
               <a:rPr lang="en-US" smtClean="0"/>
               <a:pPr/>
-              <a:t>5/5/2025</a:t>
+              <a:t>5/7/2025</a:t>
             </a:fld>
             <a:endParaRPr lang="en-US"/>
           </a:p>
@@ -2585,7 +2585,7 @@
             <a:fld id="{F70EAA40-3A53-4A3D-924A-D38F1059C7D5}" type="datetime1">
               <a:rPr lang="en-US" smtClean="0"/>
               <a:pPr/>
-              <a:t>5/5/2025</a:t>
+              <a:t>5/7/2025</a:t>
             </a:fld>
             <a:endParaRPr lang="en-US"/>
           </a:p>
@@ -2771,7 +2771,7 @@
             <a:fld id="{F70EAA40-3A53-4A3D-924A-D38F1059C7D5}" type="datetime1">
               <a:rPr lang="en-US" smtClean="0"/>
               <a:pPr/>
-              <a:t>5/5/2025</a:t>
+              <a:t>5/7/2025</a:t>
             </a:fld>
             <a:endParaRPr lang="en-US"/>
           </a:p>
@@ -3107,7 +3107,7 @@
             <a:fld id="{F70EAA40-3A53-4A3D-924A-D38F1059C7D5}" type="datetime1">
               <a:rPr lang="en-US" smtClean="0"/>
               <a:pPr/>
-              <a:t>5/5/2025</a:t>
+              <a:t>5/7/2025</a:t>
             </a:fld>
             <a:endParaRPr lang="en-US"/>
           </a:p>
@@ -3869,8 +3869,8 @@
           </a:p>
         </p:txBody>
       </p:sp>
-      <mc:AlternateContent xmlns:mc="http://schemas.openxmlformats.org/markup-compatibility/2006">
-        <mc:Choice xmlns:a14="http://schemas.microsoft.com/office/drawing/2010/main" Requires="a14">
+      <mc:AlternateContent xmlns:mc="http://schemas.openxmlformats.org/markup-compatibility/2006" xmlns:a14="http://schemas.microsoft.com/office/drawing/2010/main">
+        <mc:Choice Requires="a14">
           <p:sp>
             <p:nvSpPr>
               <p:cNvPr id="4" name="Content Placeholder 3">
@@ -4799,33 +4799,12 @@
                     </m:d>
                   </m:oMath>
                 </a14:m>
-                <a:r>
-                  <a:rPr lang="en-US" sz="2200" dirty="0">
-                    <a:effectLst/>
-                    <a:latin typeface="Aptos" panose="020B0004020202020204" pitchFamily="34" charset="0"/>
-                    <a:ea typeface="Yu Gothic" panose="020B0400000000000000" pitchFamily="34" charset="-128"/>
-                    <a:cs typeface="Times New Roman" panose="02020603050405020304" pitchFamily="18" charset="0"/>
-                  </a:rPr>
-                  <a:t> (</a:t>
-                </a:r>
-                <a:r>
-                  <a:rPr lang="en-US" sz="2200" dirty="0" err="1">
-                    <a:effectLst/>
-                    <a:latin typeface="Aptos" panose="020B0004020202020204" pitchFamily="34" charset="0"/>
-                    <a:ea typeface="Yu Gothic" panose="020B0400000000000000" pitchFamily="34" charset="-128"/>
-                    <a:cs typeface="Times New Roman" panose="02020603050405020304" pitchFamily="18" charset="0"/>
-                  </a:rPr>
-                  <a:t>Từ</a:t>
-                </a:r>
-                <a:r>
-                  <a:rPr lang="en-US" sz="2200" dirty="0">
-                    <a:effectLst/>
-                    <a:latin typeface="Aptos" panose="020B0004020202020204" pitchFamily="34" charset="0"/>
-                    <a:ea typeface="Yu Gothic" panose="020B0400000000000000" pitchFamily="34" charset="-128"/>
-                    <a:cs typeface="Times New Roman" panose="02020603050405020304" pitchFamily="18" charset="0"/>
-                  </a:rPr>
-                  <a:t> X_norm1_dec)</a:t>
-                </a:r>
+                <a:endParaRPr lang="en-US" sz="2200" dirty="0">
+                  <a:effectLst/>
+                  <a:latin typeface="Aptos" panose="020B0004020202020204" pitchFamily="34" charset="0"/>
+                  <a:ea typeface="Yu Gothic" panose="020B0400000000000000" pitchFamily="34" charset="-128"/>
+                  <a:cs typeface="Times New Roman" panose="02020603050405020304" pitchFamily="18" charset="0"/>
+                </a:endParaRPr>
               </a:p>
               <a:p>
                 <a:pPr lvl="1"/>
@@ -5079,42 +5058,7 @@
                     <a:ea typeface="Yu Gothic" panose="020B0400000000000000" pitchFamily="34" charset="-128"/>
                     <a:cs typeface="Times New Roman" panose="02020603050405020304" pitchFamily="18" charset="0"/>
                   </a:rPr>
-                  <a:t> (</a:t>
-                </a:r>
-                <a:r>
-                  <a:rPr lang="en-US" sz="2200" dirty="0" err="1">
-                    <a:effectLst/>
-                    <a:latin typeface="Aptos" panose="020B0004020202020204" pitchFamily="34" charset="0"/>
-                    <a:ea typeface="Yu Gothic" panose="020B0400000000000000" pitchFamily="34" charset="-128"/>
-                    <a:cs typeface="Times New Roman" panose="02020603050405020304" pitchFamily="18" charset="0"/>
-                  </a:rPr>
-                  <a:t>Từ</a:t>
-                </a:r>
-                <a:r>
-                  <a:rPr lang="en-US" sz="2200" dirty="0">
-                    <a:effectLst/>
-                    <a:latin typeface="Aptos" panose="020B0004020202020204" pitchFamily="34" charset="0"/>
-                    <a:ea typeface="Yu Gothic" panose="020B0400000000000000" pitchFamily="34" charset="-128"/>
-                    <a:cs typeface="Times New Roman" panose="02020603050405020304" pitchFamily="18" charset="0"/>
-                  </a:rPr>
                   <a:t> </a:t>
-                </a:r>
-                <a:r>
-                  <a:rPr lang="en-US" sz="2200" dirty="0" err="1">
-                    <a:effectLst/>
-                    <a:latin typeface="Aptos" panose="020B0004020202020204" pitchFamily="34" charset="0"/>
-                    <a:ea typeface="Yu Gothic" panose="020B0400000000000000" pitchFamily="34" charset="-128"/>
-                    <a:cs typeface="Times New Roman" panose="02020603050405020304" pitchFamily="18" charset="0"/>
-                  </a:rPr>
-                  <a:t>E_out</a:t>
-                </a:r>
-                <a:r>
-                  <a:rPr lang="en-US" sz="2200" dirty="0">
-                    <a:latin typeface="Aptos" panose="020B0004020202020204" pitchFamily="34" charset="0"/>
-                    <a:ea typeface="Yu Gothic" panose="020B0400000000000000" pitchFamily="34" charset="-128"/>
-                    <a:cs typeface="Times New Roman" panose="02020603050405020304" pitchFamily="18" charset="0"/>
-                  </a:rPr>
-                  <a:t>)</a:t>
                 </a:r>
               </a:p>
               <a:p>
@@ -5203,33 +5147,40 @@
                       </a:rPr>
                       <m:t>𝑊𝑉</m:t>
                     </m:r>
-                    <m:r>
-                      <a:rPr lang="en-US" sz="2200" i="1">
-                        <a:effectLst/>
-                        <a:latin typeface="Cambria Math" panose="02040503050406030204" pitchFamily="18" charset="0"/>
-                        <a:ea typeface="Yu Gothic" panose="020B0400000000000000" pitchFamily="34" charset="-128"/>
-                        <a:cs typeface="Times New Roman" panose="02020603050405020304" pitchFamily="18" charset="0"/>
-                      </a:rPr>
-                      <m:t>1_</m:t>
-                    </m:r>
-                    <m:r>
-                      <a:rPr lang="en-US" sz="2200" i="1">
-                        <a:effectLst/>
-                        <a:latin typeface="Cambria Math" panose="02040503050406030204" pitchFamily="18" charset="0"/>
-                        <a:ea typeface="Yu Gothic" panose="020B0400000000000000" pitchFamily="34" charset="-128"/>
-                        <a:cs typeface="Times New Roman" panose="02020603050405020304" pitchFamily="18" charset="0"/>
-                      </a:rPr>
-                      <m:t>𝑐𝑟𝑜𝑠𝑠</m:t>
-                    </m:r>
-                    <m:r>
-                      <a:rPr lang="en-US" sz="2200" i="1">
-                        <a:effectLst/>
-                        <a:latin typeface="Cambria Math" panose="02040503050406030204" pitchFamily="18" charset="0"/>
-                        <a:ea typeface="Yu Gothic" panose="020B0400000000000000" pitchFamily="34" charset="-128"/>
-                        <a:cs typeface="Calibri" panose="020F0502020204030204" pitchFamily="34" charset="0"/>
-                      </a:rPr>
-                      <m:t> </m:t>
-                    </m:r>
+                    <m:sSub>
+                      <m:sSubPr>
+                        <m:ctrlPr>
+                          <a:rPr lang="en-US" sz="2200" i="1">
+                            <a:effectLst/>
+                            <a:latin typeface="Cambria Math" panose="02040503050406030204" pitchFamily="18" charset="0"/>
+                            <a:ea typeface="Yu Gothic" panose="020B0400000000000000" pitchFamily="34" charset="-128"/>
+                            <a:cs typeface="Times New Roman" panose="02020603050405020304" pitchFamily="18" charset="0"/>
+                          </a:rPr>
+                        </m:ctrlPr>
+                      </m:sSubPr>
+                      <m:e>
+                        <m:r>
+                          <a:rPr lang="en-US" sz="2200" i="1">
+                            <a:effectLst/>
+                            <a:latin typeface="Cambria Math" panose="02040503050406030204" pitchFamily="18" charset="0"/>
+                            <a:ea typeface="Yu Gothic" panose="020B0400000000000000" pitchFamily="34" charset="-128"/>
+                            <a:cs typeface="Times New Roman" panose="02020603050405020304" pitchFamily="18" charset="0"/>
+                          </a:rPr>
+                          <m:t>1</m:t>
+                        </m:r>
+                      </m:e>
+                      <m:sub>
+                        <m:r>
+                          <a:rPr lang="en-US" sz="2200" i="1">
+                            <a:effectLst/>
+                            <a:latin typeface="Cambria Math" panose="02040503050406030204" pitchFamily="18" charset="0"/>
+                            <a:ea typeface="Yu Gothic" panose="020B0400000000000000" pitchFamily="34" charset="-128"/>
+                            <a:cs typeface="Times New Roman" panose="02020603050405020304" pitchFamily="18" charset="0"/>
+                          </a:rPr>
+                          <m:t>𝑐𝑟𝑜𝑠𝑠</m:t>
+                        </m:r>
+                      </m:sub>
+                    </m:sSub>
                     <m:r>
                       <a:rPr lang="en-US" sz="2200" i="1">
                         <a:effectLst/>
@@ -5330,51 +5281,12 @@
                     </m:r>
                   </m:oMath>
                 </a14:m>
-                <a:r>
-                  <a:rPr lang="en-US" sz="2200" dirty="0">
-                    <a:effectLst/>
-                    <a:latin typeface="Aptos" panose="020B0004020202020204" pitchFamily="34" charset="0"/>
-                    <a:ea typeface="Yu Gothic" panose="020B0400000000000000" pitchFamily="34" charset="-128"/>
-                    <a:cs typeface="Times New Roman" panose="02020603050405020304" pitchFamily="18" charset="0"/>
-                  </a:rPr>
-                  <a:t>(</a:t>
-                </a:r>
-                <a:r>
-                  <a:rPr lang="en-US" sz="2200" dirty="0" err="1">
-                    <a:effectLst/>
-                    <a:latin typeface="Aptos" panose="020B0004020202020204" pitchFamily="34" charset="0"/>
-                    <a:ea typeface="Yu Gothic" panose="020B0400000000000000" pitchFamily="34" charset="-128"/>
-                    <a:cs typeface="Times New Roman" panose="02020603050405020304" pitchFamily="18" charset="0"/>
-                  </a:rPr>
-                  <a:t>Từ</a:t>
-                </a:r>
-                <a:r>
-                  <a:rPr lang="en-US" sz="2200" dirty="0">
-                    <a:effectLst/>
-                    <a:latin typeface="Aptos" panose="020B0004020202020204" pitchFamily="34" charset="0"/>
-                    <a:ea typeface="Yu Gothic" panose="020B0400000000000000" pitchFamily="34" charset="-128"/>
-                    <a:cs typeface="Times New Roman" panose="02020603050405020304" pitchFamily="18" charset="0"/>
-                  </a:rPr>
-                  <a:t> </a:t>
-                </a:r>
-                <a:r>
-                  <a:rPr lang="en-US" sz="2200" dirty="0" err="1">
-                    <a:effectLst/>
-                    <a:latin typeface="Aptos" panose="020B0004020202020204" pitchFamily="34" charset="0"/>
-                    <a:ea typeface="Yu Gothic" panose="020B0400000000000000" pitchFamily="34" charset="-128"/>
-                    <a:cs typeface="Times New Roman" panose="02020603050405020304" pitchFamily="18" charset="0"/>
-                  </a:rPr>
-                  <a:t>E_out</a:t>
-                </a:r>
-                <a:r>
-                  <a:rPr lang="en-US" sz="2200" dirty="0">
-                    <a:effectLst/>
-                    <a:latin typeface="Aptos" panose="020B0004020202020204" pitchFamily="34" charset="0"/>
-                    <a:ea typeface="Yu Gothic" panose="020B0400000000000000" pitchFamily="34" charset="-128"/>
-                    <a:cs typeface="Times New Roman" panose="02020603050405020304" pitchFamily="18" charset="0"/>
-                  </a:rPr>
-                  <a:t>)</a:t>
-                </a:r>
+                <a:endParaRPr lang="en-US" sz="2200" i="1" dirty="0">
+                  <a:effectLst/>
+                  <a:latin typeface="Cambria Math" panose="02040503050406030204" pitchFamily="18" charset="0"/>
+                  <a:ea typeface="Yu Gothic" panose="020B0400000000000000" pitchFamily="34" charset="-128"/>
+                  <a:cs typeface="Times New Roman" panose="02020603050405020304" pitchFamily="18" charset="0"/>
+                </a:endParaRPr>
               </a:p>
               <a:p>
                 <a:pPr lvl="1"/>
@@ -5443,7 +5355,9 @@
                         <m:begChr m:val="["/>
                         <m:endChr m:val="]"/>
                         <m:ctrlPr>
-                          <a:rPr lang="en-US" sz="2200" i="1"/>
+                          <a:rPr lang="en-US" sz="2200" i="1">
+                            <a:latin typeface="Cambria Math" panose="02040503050406030204" pitchFamily="18" charset="0"/>
+                          </a:rPr>
                         </m:ctrlPr>
                       </m:dPr>
                       <m:e>
@@ -5458,19 +5372,25 @@
                               </m:mc>
                             </m:mcs>
                             <m:ctrlPr>
-                              <a:rPr lang="en-US" sz="2200" i="1"/>
+                              <a:rPr lang="en-US" sz="2200" i="1">
+                                <a:latin typeface="Cambria Math" panose="02040503050406030204" pitchFamily="18" charset="0"/>
+                              </a:rPr>
                             </m:ctrlPr>
                           </m:mPr>
                           <m:mr>
                             <m:e>
                               <m:r>
-                                <a:rPr lang="en-US" sz="2200" i="1"/>
+                                <a:rPr lang="en-US" sz="2200" i="1">
+                                  <a:latin typeface="Cambria Math" panose="02040503050406030204" pitchFamily="18" charset="0"/>
+                                </a:rPr>
                                 <m:t>0.5</m:t>
                               </m:r>
                             </m:e>
                             <m:e>
                               <m:r>
-                                <a:rPr lang="en-US" sz="2200" i="1"/>
+                                <a:rPr lang="en-US" sz="2200" i="1">
+                                  <a:latin typeface="Cambria Math" panose="02040503050406030204" pitchFamily="18" charset="0"/>
+                                </a:rPr>
                                 <m:t>0.23</m:t>
                               </m:r>
                             </m:e>
@@ -5549,7 +5469,9 @@
                         <m:begChr m:val="["/>
                         <m:endChr m:val="]"/>
                         <m:ctrlPr>
-                          <a:rPr lang="en-US" sz="2200" i="1"/>
+                          <a:rPr lang="en-US" sz="2200" i="1">
+                            <a:latin typeface="Cambria Math" panose="02040503050406030204" pitchFamily="18" charset="0"/>
+                          </a:rPr>
                         </m:ctrlPr>
                       </m:dPr>
                       <m:e>
@@ -5564,19 +5486,25 @@
                               </m:mc>
                             </m:mcs>
                             <m:ctrlPr>
-                              <a:rPr lang="en-US" sz="2200" i="1"/>
+                              <a:rPr lang="en-US" sz="2200" i="1">
+                                <a:latin typeface="Cambria Math" panose="02040503050406030204" pitchFamily="18" charset="0"/>
+                              </a:rPr>
                             </m:ctrlPr>
                           </m:mPr>
                           <m:mr>
                             <m:e>
                               <m:r>
-                                <a:rPr lang="en-US" sz="2200" i="1"/>
+                                <a:rPr lang="en-US" sz="2200" i="1">
+                                  <a:latin typeface="Cambria Math" panose="02040503050406030204" pitchFamily="18" charset="0"/>
+                                </a:rPr>
                                 <m:t>0.35</m:t>
                               </m:r>
                             </m:e>
                             <m:e>
                               <m:r>
-                                <a:rPr lang="en-US" sz="2200" i="1"/>
+                                <a:rPr lang="en-US" sz="2200" i="1">
+                                  <a:latin typeface="Cambria Math" panose="02040503050406030204" pitchFamily="18" charset="0"/>
+                                </a:rPr>
                                 <m:t>0.16</m:t>
                               </m:r>
                             </m:e>
@@ -5850,7 +5778,9 @@
                         <m:begChr m:val="["/>
                         <m:endChr m:val="]"/>
                         <m:ctrlPr>
-                          <a:rPr lang="en-US" sz="2200" i="1"/>
+                          <a:rPr lang="en-US" sz="2200" i="1">
+                            <a:latin typeface="Cambria Math" panose="02040503050406030204" pitchFamily="18" charset="0"/>
+                          </a:rPr>
                         </m:ctrlPr>
                       </m:dPr>
                       <m:e>
@@ -5865,19 +5795,25 @@
                               </m:mc>
                             </m:mcs>
                             <m:ctrlPr>
-                              <a:rPr lang="en-US" sz="2200" i="1"/>
+                              <a:rPr lang="en-US" sz="2200" i="1">
+                                <a:latin typeface="Cambria Math" panose="02040503050406030204" pitchFamily="18" charset="0"/>
+                              </a:rPr>
                             </m:ctrlPr>
                           </m:mPr>
                           <m:mr>
                             <m:e>
                               <m:r>
-                                <a:rPr lang="en-US" sz="2200" i="1"/>
+                                <a:rPr lang="en-US" sz="2200" i="1">
+                                  <a:latin typeface="Cambria Math" panose="02040503050406030204" pitchFamily="18" charset="0"/>
+                                </a:rPr>
                                 <m:t>−0.7</m:t>
                               </m:r>
                             </m:e>
                             <m:e>
                               <m:r>
-                                <a:rPr lang="en-US" sz="2200" i="1"/>
+                                <a:rPr lang="en-US" sz="2200" i="1">
+                                  <a:latin typeface="Cambria Math" panose="02040503050406030204" pitchFamily="18" charset="0"/>
+                                </a:rPr>
                                 <m:t> 1.12</m:t>
                               </m:r>
                             </m:e>
@@ -5892,7 +5828,7 @@
             </p:txBody>
           </p:sp>
         </mc:Choice>
-        <mc:Fallback>
+        <mc:Fallback xmlns="">
           <p:sp>
             <p:nvSpPr>
               <p:cNvPr id="4" name="Content Placeholder 3">
@@ -6032,8 +5968,8 @@
           </a:p>
         </p:txBody>
       </p:sp>
-      <mc:AlternateContent xmlns:mc="http://schemas.openxmlformats.org/markup-compatibility/2006">
-        <mc:Choice xmlns:a14="http://schemas.microsoft.com/office/drawing/2010/main" Requires="a14">
+      <mc:AlternateContent xmlns:mc="http://schemas.openxmlformats.org/markup-compatibility/2006" xmlns:a14="http://schemas.microsoft.com/office/drawing/2010/main">
+        <mc:Choice Requires="a14">
           <p:sp>
             <p:nvSpPr>
               <p:cNvPr id="4" name="Content Placeholder 3">
@@ -6960,25 +6896,7 @@
                     <a:ea typeface="Yu Gothic" panose="020B0400000000000000" pitchFamily="34" charset="-128"/>
                     <a:cs typeface="Times New Roman" panose="02020603050405020304" pitchFamily="18" charset="0"/>
                   </a:rPr>
-                  <a:t> (</a:t>
-                </a:r>
-                <a:r>
-                  <a:rPr lang="en-US" sz="2200" dirty="0" err="1">
-                    <a:effectLst/>
-                    <a:latin typeface="Aptos" panose="020B0004020202020204" pitchFamily="34" charset="0"/>
-                    <a:ea typeface="Yu Gothic" panose="020B0400000000000000" pitchFamily="34" charset="-128"/>
-                    <a:cs typeface="Times New Roman" panose="02020603050405020304" pitchFamily="18" charset="0"/>
-                  </a:rPr>
-                  <a:t>Từ</a:t>
-                </a:r>
-                <a:r>
-                  <a:rPr lang="en-US" sz="2200" dirty="0">
-                    <a:effectLst/>
-                    <a:latin typeface="Aptos" panose="020B0004020202020204" pitchFamily="34" charset="0"/>
-                    <a:ea typeface="Yu Gothic" panose="020B0400000000000000" pitchFamily="34" charset="-128"/>
-                    <a:cs typeface="Times New Roman" panose="02020603050405020304" pitchFamily="18" charset="0"/>
-                  </a:rPr>
-                  <a:t> X_norm1_dec)</a:t>
+                  <a:t> </a:t>
                 </a:r>
               </a:p>
               <a:p>
@@ -7215,42 +7133,7 @@
                     <a:ea typeface="Yu Gothic" panose="020B0400000000000000" pitchFamily="34" charset="-128"/>
                     <a:cs typeface="Times New Roman" panose="02020603050405020304" pitchFamily="18" charset="0"/>
                   </a:rPr>
-                  <a:t>  (</a:t>
-                </a:r>
-                <a:r>
-                  <a:rPr lang="en-US" sz="2200" dirty="0" err="1">
-                    <a:effectLst/>
-                    <a:latin typeface="Aptos" panose="020B0004020202020204" pitchFamily="34" charset="0"/>
-                    <a:ea typeface="Yu Gothic" panose="020B0400000000000000" pitchFamily="34" charset="-128"/>
-                    <a:cs typeface="Times New Roman" panose="02020603050405020304" pitchFamily="18" charset="0"/>
-                  </a:rPr>
-                  <a:t>Từ</a:t>
-                </a:r>
-                <a:r>
-                  <a:rPr lang="en-US" sz="2200" dirty="0">
-                    <a:effectLst/>
-                    <a:latin typeface="Aptos" panose="020B0004020202020204" pitchFamily="34" charset="0"/>
-                    <a:ea typeface="Yu Gothic" panose="020B0400000000000000" pitchFamily="34" charset="-128"/>
-                    <a:cs typeface="Times New Roman" panose="02020603050405020304" pitchFamily="18" charset="0"/>
-                  </a:rPr>
-                  <a:t> </a:t>
-                </a:r>
-                <a:r>
-                  <a:rPr lang="en-US" sz="2200" dirty="0" err="1">
-                    <a:effectLst/>
-                    <a:latin typeface="Aptos" panose="020B0004020202020204" pitchFamily="34" charset="0"/>
-                    <a:ea typeface="Yu Gothic" panose="020B0400000000000000" pitchFamily="34" charset="-128"/>
-                    <a:cs typeface="Times New Roman" panose="02020603050405020304" pitchFamily="18" charset="0"/>
-                  </a:rPr>
-                  <a:t>E_out</a:t>
-                </a:r>
-                <a:r>
-                  <a:rPr lang="en-US" sz="2200" dirty="0">
-                    <a:latin typeface="Aptos" panose="020B0004020202020204" pitchFamily="34" charset="0"/>
-                    <a:ea typeface="Yu Gothic" panose="020B0400000000000000" pitchFamily="34" charset="-128"/>
-                    <a:cs typeface="Times New Roman" panose="02020603050405020304" pitchFamily="18" charset="0"/>
-                  </a:rPr>
-                  <a:t>)</a:t>
+                  <a:t>  </a:t>
                 </a:r>
               </a:p>
               <a:p>
@@ -7491,43 +7374,7 @@
                     <a:ea typeface="Yu Gothic" panose="020B0400000000000000" pitchFamily="34" charset="-128"/>
                     <a:cs typeface="Times New Roman" panose="02020603050405020304" pitchFamily="18" charset="0"/>
                   </a:rPr>
-                  <a:t> (</a:t>
-                </a:r>
-                <a:r>
-                  <a:rPr lang="en-US" sz="2200" dirty="0" err="1">
-                    <a:effectLst/>
-                    <a:latin typeface="Aptos" panose="020B0004020202020204" pitchFamily="34" charset="0"/>
-                    <a:ea typeface="Yu Gothic" panose="020B0400000000000000" pitchFamily="34" charset="-128"/>
-                    <a:cs typeface="Times New Roman" panose="02020603050405020304" pitchFamily="18" charset="0"/>
-                  </a:rPr>
-                  <a:t>Từ</a:t>
-                </a:r>
-                <a:r>
-                  <a:rPr lang="en-US" sz="2200" dirty="0">
-                    <a:effectLst/>
-                    <a:latin typeface="Aptos" panose="020B0004020202020204" pitchFamily="34" charset="0"/>
-                    <a:ea typeface="Yu Gothic" panose="020B0400000000000000" pitchFamily="34" charset="-128"/>
-                    <a:cs typeface="Times New Roman" panose="02020603050405020304" pitchFamily="18" charset="0"/>
-                  </a:rPr>
                   <a:t> </a:t>
-                </a:r>
-                <a:r>
-                  <a:rPr lang="en-US" sz="2200" dirty="0" err="1">
-                    <a:effectLst/>
-                    <a:latin typeface="Aptos" panose="020B0004020202020204" pitchFamily="34" charset="0"/>
-                    <a:ea typeface="Yu Gothic" panose="020B0400000000000000" pitchFamily="34" charset="-128"/>
-                    <a:cs typeface="Times New Roman" panose="02020603050405020304" pitchFamily="18" charset="0"/>
-                  </a:rPr>
-                  <a:t>E_out</a:t>
-                </a:r>
-                <a:r>
-                  <a:rPr lang="en-US" sz="2200" dirty="0">
-                    <a:effectLst/>
-                    <a:latin typeface="Aptos" panose="020B0004020202020204" pitchFamily="34" charset="0"/>
-                    <a:ea typeface="Yu Gothic" panose="020B0400000000000000" pitchFamily="34" charset="-128"/>
-                    <a:cs typeface="Times New Roman" panose="02020603050405020304" pitchFamily="18" charset="0"/>
-                  </a:rPr>
-                  <a:t>)</a:t>
                 </a:r>
               </a:p>
               <a:p>
@@ -7589,7 +7436,9 @@
                         <m:begChr m:val="["/>
                         <m:endChr m:val="]"/>
                         <m:ctrlPr>
-                          <a:rPr lang="en-US" sz="2200" i="1"/>
+                          <a:rPr lang="en-US" sz="2200" i="1">
+                            <a:latin typeface="Cambria Math" panose="02040503050406030204" pitchFamily="18" charset="0"/>
+                          </a:rPr>
                         </m:ctrlPr>
                       </m:dPr>
                       <m:e>
@@ -7604,19 +7453,25 @@
                               </m:mc>
                             </m:mcs>
                             <m:ctrlPr>
-                              <a:rPr lang="en-US" sz="2200" i="1"/>
+                              <a:rPr lang="en-US" sz="2200" i="1">
+                                <a:latin typeface="Cambria Math" panose="02040503050406030204" pitchFamily="18" charset="0"/>
+                              </a:rPr>
                             </m:ctrlPr>
                           </m:mPr>
                           <m:mr>
                             <m:e>
                               <m:r>
-                                <a:rPr lang="en-US" sz="2200" i="1"/>
+                                <a:rPr lang="en-US" sz="2200" i="1">
+                                  <a:latin typeface="Cambria Math" panose="02040503050406030204" pitchFamily="18" charset="0"/>
+                                </a:rPr>
                                 <m:t>0.5</m:t>
                               </m:r>
                             </m:e>
                             <m:e>
                               <m:r>
-                                <a:rPr lang="en-US" sz="2200" i="1"/>
+                                <a:rPr lang="en-US" sz="2200" i="1">
+                                  <a:latin typeface="Cambria Math" panose="02040503050406030204" pitchFamily="18" charset="0"/>
+                                </a:rPr>
                                 <m:t>0.23</m:t>
                               </m:r>
                             </m:e>
@@ -7687,7 +7542,9 @@
                         <m:begChr m:val="["/>
                         <m:endChr m:val="]"/>
                         <m:ctrlPr>
-                          <a:rPr lang="en-US" sz="2200" i="1"/>
+                          <a:rPr lang="en-US" sz="2200" i="1">
+                            <a:latin typeface="Cambria Math" panose="02040503050406030204" pitchFamily="18" charset="0"/>
+                          </a:rPr>
                         </m:ctrlPr>
                       </m:dPr>
                       <m:e>
@@ -7702,19 +7559,25 @@
                               </m:mc>
                             </m:mcs>
                             <m:ctrlPr>
-                              <a:rPr lang="en-US" sz="2200" i="1"/>
+                              <a:rPr lang="en-US" sz="2200" i="1">
+                                <a:latin typeface="Cambria Math" panose="02040503050406030204" pitchFamily="18" charset="0"/>
+                              </a:rPr>
                             </m:ctrlPr>
                           </m:mPr>
                           <m:mr>
                             <m:e>
                               <m:r>
-                                <a:rPr lang="en-US" sz="2200" i="1"/>
+                                <a:rPr lang="en-US" sz="2200" i="1">
+                                  <a:latin typeface="Cambria Math" panose="02040503050406030204" pitchFamily="18" charset="0"/>
+                                </a:rPr>
                                 <m:t>0.35</m:t>
                               </m:r>
                             </m:e>
                             <m:e>
                               <m:r>
-                                <a:rPr lang="en-US" sz="2200" i="1"/>
+                                <a:rPr lang="en-US" sz="2200" i="1">
+                                  <a:latin typeface="Cambria Math" panose="02040503050406030204" pitchFamily="18" charset="0"/>
+                                </a:rPr>
                                 <m:t>0.16</m:t>
                               </m:r>
                             </m:e>
@@ -7980,7 +7843,9 @@
                         <m:begChr m:val="["/>
                         <m:endChr m:val="]"/>
                         <m:ctrlPr>
-                          <a:rPr lang="en-US" sz="2200" i="1"/>
+                          <a:rPr lang="en-US" sz="2200" i="1">
+                            <a:latin typeface="Cambria Math" panose="02040503050406030204" pitchFamily="18" charset="0"/>
+                          </a:rPr>
                         </m:ctrlPr>
                       </m:dPr>
                       <m:e>
@@ -7995,27 +7860,37 @@
                               </m:mc>
                             </m:mcs>
                             <m:ctrlPr>
-                              <a:rPr lang="en-US" sz="2200" i="1"/>
+                              <a:rPr lang="en-US" sz="2200" i="1">
+                                <a:latin typeface="Cambria Math" panose="02040503050406030204" pitchFamily="18" charset="0"/>
+                              </a:rPr>
                             </m:ctrlPr>
                           </m:mPr>
                           <m:mr>
                             <m:e>
                               <m:r>
-                                <a:rPr lang="en-US" sz="2200" i="1"/>
+                                <a:rPr lang="en-US" sz="2200" i="1">
+                                  <a:latin typeface="Cambria Math" panose="02040503050406030204" pitchFamily="18" charset="0"/>
+                                </a:rPr>
                                 <m:t>0.12</m:t>
                               </m:r>
                             </m:e>
                             <m:e>
                               <m:r>
-                                <a:rPr lang="en-US" sz="2200" i="1"/>
+                                <a:rPr lang="en-US" sz="2200" i="1">
+                                  <a:latin typeface="Cambria Math" panose="02040503050406030204" pitchFamily="18" charset="0"/>
+                                </a:rPr>
                                 <m:t> </m:t>
                               </m:r>
                               <m:r>
-                                <a:rPr lang="ja-JP" altLang="en-US" sz="2200" i="1"/>
+                                <a:rPr lang="ja-JP" altLang="en-US" sz="2200" i="1">
+                                  <a:latin typeface="Cambria Math" panose="02040503050406030204" pitchFamily="18" charset="0"/>
+                                </a:rPr>
                                 <m:t>−</m:t>
                               </m:r>
                               <m:r>
-                                <a:rPr lang="en-US" sz="2200" i="1"/>
+                                <a:rPr lang="en-US" sz="2200" i="1">
+                                  <a:latin typeface="Cambria Math" panose="02040503050406030204" pitchFamily="18" charset="0"/>
+                                </a:rPr>
                                 <m:t>0.54</m:t>
                               </m:r>
                             </m:e>
@@ -8033,7 +7908,7 @@
             </p:txBody>
           </p:sp>
         </mc:Choice>
-        <mc:Fallback>
+        <mc:Fallback xmlns="">
           <p:sp>
             <p:nvSpPr>
               <p:cNvPr id="4" name="Content Placeholder 3">
@@ -8173,8 +8048,8 @@
           </a:p>
         </p:txBody>
       </p:sp>
-      <mc:AlternateContent xmlns:mc="http://schemas.openxmlformats.org/markup-compatibility/2006">
-        <mc:Choice xmlns:a14="http://schemas.microsoft.com/office/drawing/2010/main" Requires="a14">
+      <mc:AlternateContent xmlns:mc="http://schemas.openxmlformats.org/markup-compatibility/2006" xmlns:a14="http://schemas.microsoft.com/office/drawing/2010/main">
+        <mc:Choice Requires="a14">
           <p:sp>
             <p:nvSpPr>
               <p:cNvPr id="4" name="Content Placeholder 3">
@@ -8473,7 +8348,7 @@
             </p:txBody>
           </p:sp>
         </mc:Choice>
-        <mc:Fallback>
+        <mc:Fallback xmlns="">
           <p:sp>
             <p:nvSpPr>
               <p:cNvPr id="4" name="Content Placeholder 3">
@@ -8621,8 +8496,8 @@
           </a:p>
         </p:txBody>
       </p:sp>
-      <mc:AlternateContent xmlns:mc="http://schemas.openxmlformats.org/markup-compatibility/2006">
-        <mc:Choice xmlns:a14="http://schemas.microsoft.com/office/drawing/2010/main" Requires="a14">
+      <mc:AlternateContent xmlns:mc="http://schemas.openxmlformats.org/markup-compatibility/2006" xmlns:a14="http://schemas.microsoft.com/office/drawing/2010/main">
+        <mc:Choice Requires="a14">
           <p:sp>
             <p:nvSpPr>
               <p:cNvPr id="4" name="Content Placeholder 3">
@@ -8901,7 +8776,9 @@
                         <m:begChr m:val="["/>
                         <m:endChr m:val="]"/>
                         <m:ctrlPr>
-                          <a:rPr lang="en-US" sz="2400" i="1"/>
+                          <a:rPr lang="en-US" sz="2400" i="1">
+                            <a:latin typeface="Cambria Math" panose="02040503050406030204" pitchFamily="18" charset="0"/>
+                          </a:rPr>
                         </m:ctrlPr>
                       </m:dPr>
                       <m:e>
@@ -8916,35 +8793,47 @@
                               </m:mc>
                             </m:mcs>
                             <m:ctrlPr>
-                              <a:rPr lang="en-US" sz="2400" i="1"/>
+                              <a:rPr lang="en-US" sz="2400" i="1">
+                                <a:latin typeface="Cambria Math" panose="02040503050406030204" pitchFamily="18" charset="0"/>
+                              </a:rPr>
                             </m:ctrlPr>
                           </m:mPr>
                           <m:mr>
                             <m:e>
                               <m:r>
-                                <a:rPr lang="en-US" sz="2400" i="1"/>
+                                <a:rPr lang="en-US" sz="2400" i="1">
+                                  <a:latin typeface="Cambria Math" panose="02040503050406030204" pitchFamily="18" charset="0"/>
+                                </a:rPr>
                                 <m:t>−1.46</m:t>
                               </m:r>
                             </m:e>
                             <m:e>
                               <m:r>
-                                <a:rPr lang="en-US" sz="2400" i="1"/>
+                                <a:rPr lang="en-US" sz="2400" i="1">
+                                  <a:latin typeface="Cambria Math" panose="02040503050406030204" pitchFamily="18" charset="0"/>
+                                </a:rPr>
                                 <m:t>0.36</m:t>
                               </m:r>
                             </m:e>
                             <m:e>
                               <m:r>
-                                <a:rPr lang="ja-JP" altLang="en-US" sz="2400" i="1"/>
+                                <a:rPr lang="ja-JP" altLang="en-US" sz="2400" i="1">
+                                  <a:latin typeface="Cambria Math" panose="02040503050406030204" pitchFamily="18" charset="0"/>
+                                </a:rPr>
                                 <m:t>−</m:t>
                               </m:r>
                               <m:r>
-                                <a:rPr lang="en-US" sz="2400" i="1"/>
+                                <a:rPr lang="en-US" sz="2400" i="1">
+                                  <a:latin typeface="Cambria Math" panose="02040503050406030204" pitchFamily="18" charset="0"/>
+                                </a:rPr>
                                 <m:t>0.03</m:t>
                               </m:r>
                             </m:e>
                             <m:e>
                               <m:r>
-                                <a:rPr lang="en-US" sz="2400" i="1"/>
+                                <a:rPr lang="en-US" sz="2400" i="1">
+                                  <a:latin typeface="Cambria Math" panose="02040503050406030204" pitchFamily="18" charset="0"/>
+                                </a:rPr>
                                 <m:t>1.13</m:t>
                               </m:r>
                             </m:e>
@@ -9018,7 +8907,9 @@
                 <a14:m>
                   <m:oMath xmlns:m="http://schemas.openxmlformats.org/officeDocument/2006/math">
                     <m:r>
-                      <a:rPr lang="en-US" sz="2400" i="1"/>
+                      <a:rPr lang="en-US" sz="2400" i="1">
+                        <a:latin typeface="Cambria Math" panose="02040503050406030204" pitchFamily="18" charset="0"/>
+                      </a:rPr>
                       <m:t>=</m:t>
                     </m:r>
                     <m:d>
@@ -9026,7 +8917,9 @@
                         <m:begChr m:val="["/>
                         <m:endChr m:val="]"/>
                         <m:ctrlPr>
-                          <a:rPr lang="en-US" sz="2400" i="1"/>
+                          <a:rPr lang="en-US" sz="2400" i="1">
+                            <a:latin typeface="Cambria Math" panose="02040503050406030204" pitchFamily="18" charset="0"/>
+                          </a:rPr>
                         </m:ctrlPr>
                       </m:dPr>
                       <m:e>
@@ -9041,39 +8934,53 @@
                               </m:mc>
                             </m:mcs>
                             <m:ctrlPr>
-                              <a:rPr lang="en-US" sz="2400" i="1"/>
+                              <a:rPr lang="en-US" sz="2400" i="1">
+                                <a:latin typeface="Cambria Math" panose="02040503050406030204" pitchFamily="18" charset="0"/>
+                              </a:rPr>
                             </m:ctrlPr>
                           </m:mPr>
                           <m:mr>
                             <m:e>
                               <m:r>
-                                <a:rPr lang="ja-JP" altLang="en-US" sz="2400" i="1"/>
+                                <a:rPr lang="ja-JP" altLang="en-US" sz="2400" i="1">
+                                  <a:latin typeface="Cambria Math" panose="02040503050406030204" pitchFamily="18" charset="0"/>
+                                </a:rPr>
                                 <m:t>−</m:t>
                               </m:r>
                               <m:r>
-                                <a:rPr lang="en-US" sz="2400" i="1"/>
+                                <a:rPr lang="en-US" sz="2400" i="1">
+                                  <a:latin typeface="Cambria Math" panose="02040503050406030204" pitchFamily="18" charset="0"/>
+                                </a:rPr>
                                 <m:t>1.55</m:t>
                               </m:r>
                             </m:e>
                             <m:e>
                               <m:r>
-                                <a:rPr lang="en-US" sz="2400" i="1"/>
+                                <a:rPr lang="en-US" sz="2400" i="1">
+                                  <a:latin typeface="Cambria Math" panose="02040503050406030204" pitchFamily="18" charset="0"/>
+                                </a:rPr>
                                 <m:t> 0.38</m:t>
                               </m:r>
                             </m:e>
                             <m:e>
                               <m:r>
-                                <a:rPr lang="ja-JP" altLang="en-US" sz="2400" i="1"/>
+                                <a:rPr lang="ja-JP" altLang="en-US" sz="2400" i="1">
+                                  <a:latin typeface="Cambria Math" panose="02040503050406030204" pitchFamily="18" charset="0"/>
+                                </a:rPr>
                                 <m:t>−</m:t>
                               </m:r>
                               <m:r>
-                                <a:rPr lang="en-US" sz="2400" i="1"/>
+                                <a:rPr lang="en-US" sz="2400" i="1">
+                                  <a:latin typeface="Cambria Math" panose="02040503050406030204" pitchFamily="18" charset="0"/>
+                                </a:rPr>
                                 <m:t>0.03</m:t>
                               </m:r>
                             </m:e>
                             <m:e>
                               <m:r>
-                                <a:rPr lang="en-US" sz="2400" i="1"/>
+                                <a:rPr lang="en-US" sz="2400" i="1">
+                                  <a:latin typeface="Cambria Math" panose="02040503050406030204" pitchFamily="18" charset="0"/>
+                                </a:rPr>
                                 <m:t>1.2</m:t>
                               </m:r>
                             </m:e>
@@ -9088,7 +8995,7 @@
             </p:txBody>
           </p:sp>
         </mc:Choice>
-        <mc:Fallback>
+        <mc:Fallback xmlns="">
           <p:sp>
             <p:nvSpPr>
               <p:cNvPr id="4" name="Content Placeholder 3">
@@ -9222,8 +9129,8 @@
           </a:p>
         </p:txBody>
       </p:sp>
-      <mc:AlternateContent xmlns:mc="http://schemas.openxmlformats.org/markup-compatibility/2006">
-        <mc:Choice xmlns:a14="http://schemas.microsoft.com/office/drawing/2010/main" Requires="a14">
+      <mc:AlternateContent xmlns:mc="http://schemas.openxmlformats.org/markup-compatibility/2006" xmlns:a14="http://schemas.microsoft.com/office/drawing/2010/main">
+        <mc:Choice Requires="a14">
           <p:sp>
             <p:nvSpPr>
               <p:cNvPr id="4" name="Content Placeholder 3">
@@ -11092,7 +10999,9 @@
                         <m:begChr m:val="["/>
                         <m:endChr m:val="]"/>
                         <m:ctrlPr>
-                          <a:rPr lang="en-US" sz="2200" i="1"/>
+                          <a:rPr lang="en-US" sz="2200" i="1">
+                            <a:latin typeface="Cambria Math" panose="02040503050406030204" pitchFamily="18" charset="0"/>
+                          </a:rPr>
                         </m:ctrlPr>
                       </m:dPr>
                       <m:e>
@@ -11107,55 +11016,73 @@
                               </m:mc>
                             </m:mcs>
                             <m:ctrlPr>
-                              <a:rPr lang="en-US" sz="2200" i="1"/>
+                              <a:rPr lang="en-US" sz="2200" i="1">
+                                <a:latin typeface="Cambria Math" panose="02040503050406030204" pitchFamily="18" charset="0"/>
+                              </a:rPr>
                             </m:ctrlPr>
                           </m:mPr>
                           <m:mr>
                             <m:e>
                               <m:r>
-                                <a:rPr lang="en-US" sz="2200" i="1"/>
+                                <a:rPr lang="en-US" sz="2200" i="1">
+                                  <a:latin typeface="Cambria Math" panose="02040503050406030204" pitchFamily="18" charset="0"/>
+                                </a:rPr>
                                 <m:t>0</m:t>
                               </m:r>
                             </m:e>
                             <m:e>
                               <m:r>
-                                <a:rPr lang="en-US" sz="2200" i="1"/>
+                                <a:rPr lang="en-US" sz="2200" i="1">
+                                  <a:latin typeface="Cambria Math" panose="02040503050406030204" pitchFamily="18" charset="0"/>
+                                </a:rPr>
                                 <m:t>0</m:t>
                               </m:r>
                             </m:e>
                             <m:e>
                               <m:r>
-                                <a:rPr lang="en-US" sz="2200" i="1"/>
+                                <a:rPr lang="en-US" sz="2200" i="1">
+                                  <a:latin typeface="Cambria Math" panose="02040503050406030204" pitchFamily="18" charset="0"/>
+                                </a:rPr>
                                 <m:t>0.35</m:t>
                               </m:r>
                             </m:e>
                             <m:e>
                               <m:r>
-                                <a:rPr lang="en-US" sz="2200" i="1"/>
+                                <a:rPr lang="en-US" sz="2200" i="1">
+                                  <a:latin typeface="Cambria Math" panose="02040503050406030204" pitchFamily="18" charset="0"/>
+                                </a:rPr>
                                 <m:t>1.58</m:t>
                               </m:r>
                             </m:e>
                             <m:e>
                               <m:r>
-                                <a:rPr lang="en-US" sz="2200" i="1"/>
+                                <a:rPr lang="en-US" sz="2200" i="1">
+                                  <a:latin typeface="Cambria Math" panose="02040503050406030204" pitchFamily="18" charset="0"/>
+                                </a:rPr>
                                 <m:t>0</m:t>
                               </m:r>
                             </m:e>
                             <m:e>
                               <m:r>
-                                <a:rPr lang="en-US" sz="2200" i="1"/>
+                                <a:rPr lang="en-US" sz="2200" i="1">
+                                  <a:latin typeface="Cambria Math" panose="02040503050406030204" pitchFamily="18" charset="0"/>
+                                </a:rPr>
                                 <m:t>0</m:t>
                               </m:r>
                             </m:e>
                             <m:e>
                               <m:r>
-                                <a:rPr lang="en-US" sz="2200" i="1"/>
+                                <a:rPr lang="en-US" sz="2200" i="1">
+                                  <a:latin typeface="Cambria Math" panose="02040503050406030204" pitchFamily="18" charset="0"/>
+                                </a:rPr>
                                 <m:t>0.35</m:t>
                               </m:r>
                             </m:e>
                             <m:e>
                               <m:r>
-                                <a:rPr lang="en-US" sz="2200" i="1"/>
+                                <a:rPr lang="en-US" sz="2200" i="1">
+                                  <a:latin typeface="Cambria Math" panose="02040503050406030204" pitchFamily="18" charset="0"/>
+                                </a:rPr>
                                 <m:t>1.58</m:t>
                               </m:r>
                             </m:e>
@@ -11461,7 +11388,9 @@
                         <m:begChr m:val="["/>
                         <m:endChr m:val="]"/>
                         <m:ctrlPr>
-                          <a:rPr lang="en-US" sz="2200" i="1"/>
+                          <a:rPr lang="en-US" sz="2200" i="1">
+                            <a:latin typeface="Cambria Math" panose="02040503050406030204" pitchFamily="18" charset="0"/>
+                          </a:rPr>
                         </m:ctrlPr>
                       </m:dPr>
                       <m:e>
@@ -11476,31 +11405,41 @@
                               </m:mc>
                             </m:mcs>
                             <m:ctrlPr>
-                              <a:rPr lang="en-US" sz="2200" i="1"/>
+                              <a:rPr lang="en-US" sz="2200" i="1">
+                                <a:latin typeface="Cambria Math" panose="02040503050406030204" pitchFamily="18" charset="0"/>
+                              </a:rPr>
                             </m:ctrlPr>
                           </m:mPr>
                           <m:mr>
                             <m:e>
                               <m:r>
-                                <a:rPr lang="en-US" sz="2200" i="1"/>
+                                <a:rPr lang="en-US" sz="2200" i="1">
+                                  <a:latin typeface="Cambria Math" panose="02040503050406030204" pitchFamily="18" charset="0"/>
+                                </a:rPr>
                                 <m:t>1.93</m:t>
                               </m:r>
                             </m:e>
                             <m:e>
                               <m:r>
-                                <a:rPr lang="en-US" sz="2200" i="1"/>
+                                <a:rPr lang="en-US" sz="2200" i="1">
+                                  <a:latin typeface="Cambria Math" panose="02040503050406030204" pitchFamily="18" charset="0"/>
+                                </a:rPr>
                                 <m:t>1.93</m:t>
                               </m:r>
                             </m:e>
                             <m:e>
                               <m:r>
-                                <a:rPr lang="en-US" sz="2200" i="1"/>
+                                <a:rPr lang="en-US" sz="2200" i="1">
+                                  <a:latin typeface="Cambria Math" panose="02040503050406030204" pitchFamily="18" charset="0"/>
+                                </a:rPr>
                                 <m:t>3.16</m:t>
                               </m:r>
                             </m:e>
                             <m:e>
                               <m:r>
-                                <a:rPr lang="en-US" sz="2200" i="1"/>
+                                <a:rPr lang="en-US" sz="2200" i="1">
+                                  <a:latin typeface="Cambria Math" panose="02040503050406030204" pitchFamily="18" charset="0"/>
+                                </a:rPr>
                                 <m:t>3.51</m:t>
                               </m:r>
                             </m:e>
@@ -11515,7 +11454,7 @@
             </p:txBody>
           </p:sp>
         </mc:Choice>
-        <mc:Fallback>
+        <mc:Fallback xmlns="">
           <p:sp>
             <p:nvSpPr>
               <p:cNvPr id="4" name="Content Placeholder 3">
@@ -11675,8 +11614,8 @@
           </a:p>
         </p:txBody>
       </p:sp>
-      <mc:AlternateContent xmlns:mc="http://schemas.openxmlformats.org/markup-compatibility/2006">
-        <mc:Choice xmlns:a14="http://schemas.microsoft.com/office/drawing/2010/main" Requires="a14">
+      <mc:AlternateContent xmlns:mc="http://schemas.openxmlformats.org/markup-compatibility/2006" xmlns:a14="http://schemas.microsoft.com/office/drawing/2010/main">
+        <mc:Choice Requires="a14">
           <p:sp>
             <p:nvSpPr>
               <p:cNvPr id="4" name="Content Placeholder 3">
@@ -11956,7 +11895,9 @@
                         <m:begChr m:val="["/>
                         <m:endChr m:val="]"/>
                         <m:ctrlPr>
-                          <a:rPr lang="en-US" sz="2400" i="1"/>
+                          <a:rPr lang="en-US" sz="2400" i="1">
+                            <a:latin typeface="Cambria Math" panose="02040503050406030204" pitchFamily="18" charset="0"/>
+                          </a:rPr>
                         </m:ctrlPr>
                       </m:dPr>
                       <m:e>
@@ -11971,31 +11912,41 @@
                               </m:mc>
                             </m:mcs>
                             <m:ctrlPr>
-                              <a:rPr lang="en-US" sz="2400" i="1"/>
+                              <a:rPr lang="en-US" sz="2400" i="1">
+                                <a:latin typeface="Cambria Math" panose="02040503050406030204" pitchFamily="18" charset="0"/>
+                              </a:rPr>
                             </m:ctrlPr>
                           </m:mPr>
                           <m:mr>
                             <m:e>
                               <m:r>
-                                <a:rPr lang="en-US" sz="2400" i="1"/>
+                                <a:rPr lang="en-US" sz="2400" i="1">
+                                  <a:latin typeface="Cambria Math" panose="02040503050406030204" pitchFamily="18" charset="0"/>
+                                </a:rPr>
                                 <m:t>0.38</m:t>
                               </m:r>
                             </m:e>
                             <m:e>
                               <m:r>
-                                <a:rPr lang="en-US" sz="2400" i="1"/>
+                                <a:rPr lang="en-US" sz="2400" i="1">
+                                  <a:latin typeface="Cambria Math" panose="02040503050406030204" pitchFamily="18" charset="0"/>
+                                </a:rPr>
                                 <m:t>2.31</m:t>
                               </m:r>
                             </m:e>
                             <m:e>
                               <m:r>
-                                <a:rPr lang="en-US" sz="2400" i="1"/>
+                                <a:rPr lang="en-US" sz="2400" i="1">
+                                  <a:latin typeface="Cambria Math" panose="02040503050406030204" pitchFamily="18" charset="0"/>
+                                </a:rPr>
                                 <m:t>3.13</m:t>
                               </m:r>
                             </m:e>
                             <m:e>
                               <m:r>
-                                <a:rPr lang="en-US" sz="2400" i="1"/>
+                                <a:rPr lang="en-US" sz="2400" i="1">
+                                  <a:latin typeface="Cambria Math" panose="02040503050406030204" pitchFamily="18" charset="0"/>
+                                </a:rPr>
                                 <m:t>4.71</m:t>
                               </m:r>
                             </m:e>
@@ -12092,7 +12043,9 @@
                         <m:begChr m:val="["/>
                         <m:endChr m:val="]"/>
                         <m:ctrlPr>
-                          <a:rPr lang="en-US" sz="2400" i="1"/>
+                          <a:rPr lang="en-US" sz="2400" i="1">
+                            <a:latin typeface="Cambria Math" panose="02040503050406030204" pitchFamily="18" charset="0"/>
+                          </a:rPr>
                         </m:ctrlPr>
                       </m:dPr>
                       <m:e>
@@ -12107,39 +12060,53 @@
                               </m:mc>
                             </m:mcs>
                             <m:ctrlPr>
-                              <a:rPr lang="en-US" sz="2400" i="1"/>
+                              <a:rPr lang="en-US" sz="2400" i="1">
+                                <a:latin typeface="Cambria Math" panose="02040503050406030204" pitchFamily="18" charset="0"/>
+                              </a:rPr>
                             </m:ctrlPr>
                           </m:mPr>
                           <m:mr>
                             <m:e>
                               <m:r>
-                                <a:rPr lang="ja-JP" altLang="en-US" sz="2400" i="1"/>
+                                <a:rPr lang="ja-JP" altLang="en-US" sz="2400" i="1">
+                                  <a:latin typeface="Cambria Math" panose="02040503050406030204" pitchFamily="18" charset="0"/>
+                                </a:rPr>
                                 <m:t>−</m:t>
                               </m:r>
                               <m:r>
-                                <a:rPr lang="en-US" sz="2400"/>
+                                <a:rPr lang="en-US" sz="2400">
+                                  <a:latin typeface="Cambria Math" panose="02040503050406030204" pitchFamily="18" charset="0"/>
+                                </a:rPr>
                                 <m:t>1.44</m:t>
                               </m:r>
                             </m:e>
                             <m:e>
                               <m:r>
-                                <a:rPr lang="ja-JP" altLang="en-US" sz="2400" i="1"/>
+                                <a:rPr lang="ja-JP" altLang="en-US" sz="2400" i="1">
+                                  <a:latin typeface="Cambria Math" panose="02040503050406030204" pitchFamily="18" charset="0"/>
+                                </a:rPr>
                                 <m:t>−</m:t>
                               </m:r>
                               <m:r>
-                                <a:rPr lang="en-US" sz="2400"/>
+                                <a:rPr lang="en-US" sz="2400">
+                                  <a:latin typeface="Cambria Math" panose="02040503050406030204" pitchFamily="18" charset="0"/>
+                                </a:rPr>
                                 <m:t>0.21</m:t>
                               </m:r>
                             </m:e>
                             <m:e>
                               <m:r>
-                                <a:rPr lang="en-US" sz="2400"/>
+                                <a:rPr lang="en-US" sz="2400">
+                                  <a:latin typeface="Cambria Math" panose="02040503050406030204" pitchFamily="18" charset="0"/>
+                                </a:rPr>
                                 <m:t>0.32</m:t>
                               </m:r>
                             </m:e>
                             <m:e>
                               <m:r>
-                                <a:rPr lang="en-US" sz="2400"/>
+                                <a:rPr lang="en-US" sz="2400">
+                                  <a:latin typeface="Cambria Math" panose="02040503050406030204" pitchFamily="18" charset="0"/>
+                                </a:rPr>
                                 <m:t>1.33</m:t>
                               </m:r>
                             </m:e>
@@ -12154,7 +12121,7 @@
             </p:txBody>
           </p:sp>
         </mc:Choice>
-        <mc:Fallback>
+        <mc:Fallback xmlns="">
           <p:sp>
             <p:nvSpPr>
               <p:cNvPr id="4" name="Content Placeholder 3">
@@ -12319,8 +12286,8 @@
           </a:p>
         </p:txBody>
       </p:sp>
-      <mc:AlternateContent xmlns:mc="http://schemas.openxmlformats.org/markup-compatibility/2006">
-        <mc:Choice xmlns:a14="http://schemas.microsoft.com/office/drawing/2010/main" Requires="a14">
+      <mc:AlternateContent xmlns:mc="http://schemas.openxmlformats.org/markup-compatibility/2006" xmlns:a14="http://schemas.microsoft.com/office/drawing/2010/main">
+        <mc:Choice Requires="a14">
           <p:sp>
             <p:nvSpPr>
               <p:cNvPr id="4" name="Content Placeholder 3">
@@ -14233,7 +14200,7 @@
             </p:txBody>
           </p:sp>
         </mc:Choice>
-        <mc:Fallback>
+        <mc:Fallback xmlns="">
           <p:sp>
             <p:nvSpPr>
               <p:cNvPr id="4" name="Content Placeholder 3">
@@ -15212,8 +15179,8 @@
           </a:p>
         </p:txBody>
       </p:sp>
-      <mc:AlternateContent xmlns:mc="http://schemas.openxmlformats.org/markup-compatibility/2006">
-        <mc:Choice xmlns:a14="http://schemas.microsoft.com/office/drawing/2010/main" Requires="a14">
+      <mc:AlternateContent xmlns:mc="http://schemas.openxmlformats.org/markup-compatibility/2006" xmlns:a14="http://schemas.microsoft.com/office/drawing/2010/main">
+        <mc:Choice Requires="a14">
           <p:sp>
             <p:nvSpPr>
               <p:cNvPr id="4" name="Content Placeholder 3">
@@ -16309,7 +16276,7 @@
             </p:txBody>
           </p:sp>
         </mc:Choice>
-        <mc:Fallback>
+        <mc:Fallback xmlns="">
           <p:sp>
             <p:nvSpPr>
               <p:cNvPr id="4" name="Content Placeholder 3">
@@ -16463,8 +16430,8 @@
           </a:p>
         </p:txBody>
       </p:sp>
-      <mc:AlternateContent xmlns:mc="http://schemas.openxmlformats.org/markup-compatibility/2006">
-        <mc:Choice xmlns:a14="http://schemas.microsoft.com/office/drawing/2010/main" Requires="a14">
+      <mc:AlternateContent xmlns:mc="http://schemas.openxmlformats.org/markup-compatibility/2006" xmlns:a14="http://schemas.microsoft.com/office/drawing/2010/main">
+        <mc:Choice Requires="a14">
           <p:sp>
             <p:nvSpPr>
               <p:cNvPr id="4" name="Content Placeholder 3">
@@ -16967,7 +16934,7 @@
             </p:txBody>
           </p:sp>
         </mc:Choice>
-        <mc:Fallback>
+        <mc:Fallback xmlns="">
           <p:sp>
             <p:nvSpPr>
               <p:cNvPr id="4" name="Content Placeholder 3">
@@ -18303,30 +18270,40 @@
                     <m:sSub>
                       <m:sSubPr>
                         <m:ctrlPr>
-                          <a:rPr lang="en-US" sz="2200" i="1"/>
+                          <a:rPr lang="en-US" sz="2200" i="1">
+                            <a:latin typeface="Cambria Math" panose="02040503050406030204" pitchFamily="18" charset="0"/>
+                          </a:rPr>
                         </m:ctrlPr>
                       </m:sSubPr>
                       <m:e>
                         <m:r>
-                          <a:rPr lang="en-US" sz="2200" i="1"/>
+                          <a:rPr lang="en-US" sz="2200" i="1">
+                            <a:latin typeface="Cambria Math" panose="02040503050406030204" pitchFamily="18" charset="0"/>
+                          </a:rPr>
                           <m:t>𝑉</m:t>
                         </m:r>
                       </m:e>
                       <m:sub>
                         <m:r>
-                          <a:rPr lang="en-US" sz="2200" i="1"/>
+                          <a:rPr lang="en-US" sz="2200" i="1">
+                            <a:latin typeface="Cambria Math" panose="02040503050406030204" pitchFamily="18" charset="0"/>
+                          </a:rPr>
                           <m:t>1</m:t>
                         </m:r>
                       </m:sub>
                     </m:sSub>
                     <m:r>
-                      <a:rPr lang="en-US" sz="2200" i="1"/>
+                      <a:rPr lang="en-US" sz="2200" i="1">
+                        <a:latin typeface="Cambria Math" panose="02040503050406030204" pitchFamily="18" charset="0"/>
+                      </a:rPr>
                       <m:t> = </m:t>
                     </m:r>
                     <m:sSub>
                       <m:sSubPr>
                         <m:ctrlPr>
-                          <a:rPr lang="en-US" sz="2200" i="1"/>
+                          <a:rPr lang="en-US" sz="2200" i="1">
+                            <a:latin typeface="Cambria Math" panose="02040503050406030204" pitchFamily="18" charset="0"/>
+                          </a:rPr>
                         </m:ctrlPr>
                       </m:sSubPr>
                       <m:e>
@@ -18334,21 +18311,29 @@
                           <m:rPr>
                             <m:sty m:val="p"/>
                           </m:rPr>
-                          <a:rPr lang="en-US" sz="2200"/>
+                          <a:rPr lang="en-US" sz="2200">
+                            <a:latin typeface="Cambria Math" panose="02040503050406030204" pitchFamily="18" charset="0"/>
+                          </a:rPr>
                           <m:t>X</m:t>
                         </m:r>
                       </m:e>
                       <m:sub>
                         <m:r>
-                          <a:rPr lang="en-US" sz="2200" i="1"/>
+                          <a:rPr lang="en-US" sz="2200" i="1">
+                            <a:latin typeface="Cambria Math" panose="02040503050406030204" pitchFamily="18" charset="0"/>
+                          </a:rPr>
                           <m:t>𝑡𝑎𝑟𝑔𝑒𝑡</m:t>
                         </m:r>
                         <m:r>
-                          <a:rPr lang="en-US" sz="2200" i="1"/>
+                          <a:rPr lang="en-US" sz="2200" i="1">
+                            <a:latin typeface="Cambria Math" panose="02040503050406030204" pitchFamily="18" charset="0"/>
+                          </a:rPr>
                           <m:t>_</m:t>
                         </m:r>
                         <m:r>
-                          <a:rPr lang="en-US" sz="2200" i="1"/>
+                          <a:rPr lang="en-US" sz="2200" i="1">
+                            <a:latin typeface="Cambria Math" panose="02040503050406030204" pitchFamily="18" charset="0"/>
+                          </a:rPr>
                           <m:t>𝑒𝑚𝑏</m:t>
                         </m:r>
                       </m:sub>
@@ -18356,30 +18341,40 @@
                     <m:sSubSup>
                       <m:sSubSupPr>
                         <m:ctrlPr>
-                          <a:rPr lang="en-US" sz="2200" i="1"/>
+                          <a:rPr lang="en-US" sz="2200" i="1">
+                            <a:latin typeface="Cambria Math" panose="02040503050406030204" pitchFamily="18" charset="0"/>
+                          </a:rPr>
                         </m:ctrlPr>
                       </m:sSubSupPr>
                       <m:e>
                         <m:r>
-                          <a:rPr lang="en-US" sz="2200" i="1"/>
+                          <a:rPr lang="en-US" sz="2200" i="1">
+                            <a:latin typeface="Cambria Math" panose="02040503050406030204" pitchFamily="18" charset="0"/>
+                          </a:rPr>
                           <m:t>𝑊</m:t>
                         </m:r>
                       </m:e>
                       <m:sub>
                         <m:r>
-                          <a:rPr lang="en-US" sz="2200" i="1"/>
+                          <a:rPr lang="en-US" sz="2200" i="1">
+                            <a:latin typeface="Cambria Math" panose="02040503050406030204" pitchFamily="18" charset="0"/>
+                          </a:rPr>
                           <m:t>1</m:t>
                         </m:r>
                       </m:sub>
                       <m:sup>
                         <m:r>
-                          <a:rPr lang="en-US" sz="2200" i="1"/>
+                          <a:rPr lang="en-US" sz="2200" i="1">
+                            <a:latin typeface="Cambria Math" panose="02040503050406030204" pitchFamily="18" charset="0"/>
+                          </a:rPr>
                           <m:t>𝑉</m:t>
                         </m:r>
                       </m:sup>
                     </m:sSubSup>
                     <m:r>
-                      <a:rPr lang="vi-VN" sz="2200" i="1"/>
+                      <a:rPr lang="vi-VN" sz="2200" i="1">
+                        <a:latin typeface="Cambria Math" panose="02040503050406030204" pitchFamily="18" charset="0"/>
+                      </a:rPr>
                       <m:t>= </m:t>
                     </m:r>
                     <m:d>
@@ -18387,7 +18382,9 @@
                         <m:begChr m:val="["/>
                         <m:endChr m:val="]"/>
                         <m:ctrlPr>
-                          <a:rPr lang="en-US" sz="2200" i="1"/>
+                          <a:rPr lang="en-US" sz="2200" i="1">
+                            <a:latin typeface="Cambria Math" panose="02040503050406030204" pitchFamily="18" charset="0"/>
+                          </a:rPr>
                         </m:ctrlPr>
                       </m:dPr>
                       <m:e>
@@ -18402,19 +18399,25 @@
                               </m:mc>
                             </m:mcs>
                             <m:ctrlPr>
-                              <a:rPr lang="en-US" sz="2200" i="1"/>
+                              <a:rPr lang="en-US" sz="2200" i="1">
+                                <a:latin typeface="Cambria Math" panose="02040503050406030204" pitchFamily="18" charset="0"/>
+                              </a:rPr>
                             </m:ctrlPr>
                           </m:mPr>
                           <m:mr>
                             <m:e>
                               <m:r>
-                                <a:rPr lang="en-US" sz="2200" i="1"/>
+                                <a:rPr lang="en-US" sz="2200" i="1">
+                                  <a:latin typeface="Cambria Math" panose="02040503050406030204" pitchFamily="18" charset="0"/>
+                                </a:rPr>
                                 <m:t>1</m:t>
                               </m:r>
                             </m:e>
                             <m:e>
                               <m:r>
-                                <a:rPr lang="en-US" sz="2200" i="1"/>
+                                <a:rPr lang="en-US" sz="2200" i="1">
+                                  <a:latin typeface="Cambria Math" panose="02040503050406030204" pitchFamily="18" charset="0"/>
+                                </a:rPr>
                                 <m:t>0</m:t>
                               </m:r>
                             </m:e>
@@ -18568,13 +18571,38 @@
                         <a:ea typeface="Yu Gothic" panose="020B0400000000000000" pitchFamily="34" charset="-128"/>
                         <a:cs typeface="Times New Roman" panose="02020603050405020304" pitchFamily="18" charset="0"/>
                       </a:rPr>
-                      <m:t>=[5.66]</m:t>
+                      <m:t>=</m:t>
                     </m:r>
+                    <m:d>
+                      <m:dPr>
+                        <m:begChr m:val="["/>
+                        <m:endChr m:val="]"/>
+                        <m:ctrlPr>
+                          <a:rPr lang="en-US" sz="2200" i="1" kern="100">
+                            <a:effectLst/>
+                            <a:latin typeface="Cambria Math" panose="02040503050406030204" pitchFamily="18" charset="0"/>
+                            <a:ea typeface="Yu Gothic" panose="020B0400000000000000" pitchFamily="34" charset="-128"/>
+                            <a:cs typeface="Times New Roman" panose="02020603050405020304" pitchFamily="18" charset="0"/>
+                          </a:rPr>
+                        </m:ctrlPr>
+                      </m:dPr>
+                      <m:e>
+                        <m:r>
+                          <a:rPr lang="en-US" sz="2200" i="1" kern="100">
+                            <a:effectLst/>
+                            <a:latin typeface="Cambria Math" panose="02040503050406030204" pitchFamily="18" charset="0"/>
+                            <a:ea typeface="Yu Gothic" panose="020B0400000000000000" pitchFamily="34" charset="-128"/>
+                            <a:cs typeface="Times New Roman" panose="02020603050405020304" pitchFamily="18" charset="0"/>
+                          </a:rPr>
+                          <m:t>5.66</m:t>
+                        </m:r>
+                      </m:e>
+                    </m:d>
                   </m:oMath>
                 </a14:m>
-                <a:endParaRPr lang="en-US" sz="2200" kern="100" dirty="0">
+                <a:endParaRPr lang="en-US" sz="2200" i="1" kern="100" dirty="0">
                   <a:effectLst/>
-                  <a:latin typeface="Aptos" panose="020B0004020202020204" pitchFamily="34" charset="0"/>
+                  <a:latin typeface="Cambria Math" panose="02040503050406030204" pitchFamily="18" charset="0"/>
                   <a:ea typeface="Yu Gothic" panose="020B0400000000000000" pitchFamily="34" charset="-128"/>
                   <a:cs typeface="Times New Roman" panose="02020603050405020304" pitchFamily="18" charset="0"/>
                 </a:endParaRPr>
@@ -18586,96 +18614,107 @@
                     <m:sSub>
                       <m:sSubPr>
                         <m:ctrlPr>
-                          <a:rPr lang="en-US" sz="2200" i="1" smtClean="0">
-                            <a:effectLst/>
-                            <a:latin typeface="Cambria Math" panose="02040503050406030204" pitchFamily="18" charset="0"/>
-                          </a:rPr>
+                          <a:rPr lang="en-US" i="1"/>
                         </m:ctrlPr>
                       </m:sSubPr>
                       <m:e>
                         <m:r>
-                          <a:rPr lang="en-US" sz="2200" i="1">
-                            <a:effectLst/>
-                            <a:latin typeface="Cambria Math" panose="02040503050406030204" pitchFamily="18" charset="0"/>
-                            <a:ea typeface="Yu Gothic" panose="020B0400000000000000" pitchFamily="34" charset="-128"/>
-                            <a:cs typeface="Times New Roman" panose="02020603050405020304" pitchFamily="18" charset="0"/>
-                          </a:rPr>
+                          <a:rPr lang="en-US" i="1"/>
                           <m:t>𝑃</m:t>
                         </m:r>
                       </m:e>
                       <m:sub>
                         <m:r>
-                          <a:rPr lang="en-US" sz="2200" i="1">
-                            <a:effectLst/>
-                            <a:latin typeface="Cambria Math" panose="02040503050406030204" pitchFamily="18" charset="0"/>
-                            <a:ea typeface="Yu Gothic" panose="020B0400000000000000" pitchFamily="34" charset="-128"/>
-                            <a:cs typeface="Times New Roman" panose="02020603050405020304" pitchFamily="18" charset="0"/>
-                          </a:rPr>
+                          <a:rPr lang="en-US" i="1"/>
                           <m:t>1</m:t>
                         </m:r>
                       </m:sub>
                     </m:sSub>
                     <m:r>
-                      <a:rPr lang="en-US" sz="2200" i="1">
-                        <a:effectLst/>
-                        <a:latin typeface="Cambria Math" panose="02040503050406030204" pitchFamily="18" charset="0"/>
-                        <a:ea typeface="Yu Gothic" panose="020B0400000000000000" pitchFamily="34" charset="-128"/>
-                        <a:cs typeface="Times New Roman" panose="02020603050405020304" pitchFamily="18" charset="0"/>
-                      </a:rPr>
-                      <m:t>=[1]</m:t>
+                      <a:rPr lang="en-US" i="1"/>
+                      <m:t>=</m:t>
+                    </m:r>
+                    <m:r>
+                      <a:rPr lang="en-US" i="1"/>
+                      <m:t>𝑠𝑜𝑓𝑡𝑚𝑎𝑥</m:t>
+                    </m:r>
+                    <m:d>
+                      <m:dPr>
+                        <m:ctrlPr>
+                          <a:rPr lang="en-US" i="1"/>
+                        </m:ctrlPr>
+                      </m:dPr>
+                      <m:e>
+                        <m:r>
+                          <a:rPr lang="en-US" i="1"/>
+                          <m:t>𝑆𝑐𝑎𝑙𝑒𝑑𝑆𝑐𝑜𝑟𝑒</m:t>
+                        </m:r>
+                        <m:sSub>
+                          <m:sSubPr>
+                            <m:ctrlPr>
+                              <a:rPr lang="en-US" i="1"/>
+                            </m:ctrlPr>
+                          </m:sSubPr>
+                          <m:e>
+                            <m:r>
+                              <a:rPr lang="en-US" i="1"/>
+                              <m:t>𝑠</m:t>
+                            </m:r>
+                          </m:e>
+                          <m:sub>
+                            <m:r>
+                              <a:rPr lang="en-US" i="1"/>
+                              <m:t>1</m:t>
+                            </m:r>
+                          </m:sub>
+                        </m:sSub>
+                        <m:r>
+                          <a:rPr lang="en-US" i="1"/>
+                          <m:t>+</m:t>
+                        </m:r>
+                        <m:r>
+                          <a:rPr lang="en-US" i="1"/>
+                          <m:t>𝑀𝑎𝑠𝑘</m:t>
+                        </m:r>
+                      </m:e>
+                    </m:d>
+                    <m:r>
+                      <a:rPr lang="en-US" i="1"/>
+                      <m:t>=</m:t>
+                    </m:r>
+                    <m:d>
+                      <m:dPr>
+                        <m:begChr m:val="["/>
+                        <m:endChr m:val="]"/>
+                        <m:ctrlPr>
+                          <a:rPr lang="en-US" i="1"/>
+                        </m:ctrlPr>
+                      </m:dPr>
+                      <m:e>
+                        <m:r>
+                          <a:rPr lang="en-US" i="1"/>
+                          <m:t>1</m:t>
+                        </m:r>
+                      </m:e>
+                    </m:d>
+                    <m:r>
+                      <a:rPr lang="en-US" i="1"/>
+                      <m:t> (</m:t>
+                    </m:r>
+                    <m:r>
+                      <a:rPr lang="en-US" i="1"/>
+                      <m:t>𝑀𝑎𝑠𝑘</m:t>
+                    </m:r>
+                    <m:r>
+                      <a:rPr lang="en-US" i="1"/>
+                      <m:t>=[0])</m:t>
                     </m:r>
                   </m:oMath>
                 </a14:m>
                 <a:r>
-                  <a:rPr lang="en-US" sz="2200" dirty="0">
-                    <a:effectLst/>
-                    <a:latin typeface="Aptos" panose="020B0004020202020204" pitchFamily="34" charset="0"/>
-                    <a:ea typeface="Yu Gothic" panose="020B0400000000000000" pitchFamily="34" charset="-128"/>
-                    <a:cs typeface="Times New Roman" panose="02020603050405020304" pitchFamily="18" charset="0"/>
-                  </a:rPr>
-                  <a:t> (Sau mask </a:t>
-                </a:r>
-                <a:r>
-                  <a:rPr lang="en-US" sz="2200" dirty="0" err="1">
-                    <a:effectLst/>
-                    <a:latin typeface="Aptos" panose="020B0004020202020204" pitchFamily="34" charset="0"/>
-                    <a:ea typeface="Yu Gothic" panose="020B0400000000000000" pitchFamily="34" charset="-128"/>
-                    <a:cs typeface="Times New Roman" panose="02020603050405020304" pitchFamily="18" charset="0"/>
-                  </a:rPr>
-                  <a:t>và</a:t>
-                </a:r>
-                <a:r>
-                  <a:rPr lang="en-US" sz="2200" dirty="0">
-                    <a:effectLst/>
-                    <a:latin typeface="Aptos" panose="020B0004020202020204" pitchFamily="34" charset="0"/>
-                    <a:ea typeface="Yu Gothic" panose="020B0400000000000000" pitchFamily="34" charset="-128"/>
-                    <a:cs typeface="Times New Roman" panose="02020603050405020304" pitchFamily="18" charset="0"/>
-                  </a:rPr>
+                  <a:rPr lang="en-US" dirty="0"/>
                   <a:t> </a:t>
                 </a:r>
-                <a:r>
-                  <a:rPr lang="en-US" sz="2200" dirty="0" err="1">
-                    <a:effectLst/>
-                    <a:latin typeface="Aptos" panose="020B0004020202020204" pitchFamily="34" charset="0"/>
-                    <a:ea typeface="Yu Gothic" panose="020B0400000000000000" pitchFamily="34" charset="-128"/>
-                    <a:cs typeface="Times New Roman" panose="02020603050405020304" pitchFamily="18" charset="0"/>
-                  </a:rPr>
-                  <a:t>softmax</a:t>
-                </a:r>
-                <a:r>
-                  <a:rPr lang="en-US" sz="2200" dirty="0">
-                    <a:effectLst/>
-                    <a:latin typeface="Aptos" panose="020B0004020202020204" pitchFamily="34" charset="0"/>
-                    <a:ea typeface="Yu Gothic" panose="020B0400000000000000" pitchFamily="34" charset="-128"/>
-                    <a:cs typeface="Times New Roman" panose="02020603050405020304" pitchFamily="18" charset="0"/>
-                  </a:rPr>
-                  <a:t>)</a:t>
-                </a:r>
-                <a:endParaRPr lang="en-US" sz="2200" kern="100" dirty="0">
-                  <a:latin typeface="Aptos" panose="020B0004020202020204" pitchFamily="34" charset="0"/>
-                  <a:ea typeface="Yu Gothic" panose="020B0400000000000000" pitchFamily="34" charset="-128"/>
-                  <a:cs typeface="Times New Roman" panose="02020603050405020304" pitchFamily="18" charset="0"/>
-                </a:endParaRPr>
               </a:p>
               <a:p>
                 <a:pPr lvl="1"/>
@@ -18897,7 +18936,7 @@
               <a:blipFill>
                 <a:blip r:embed="rId2"/>
                 <a:stretch>
-                  <a:fillRect l="-985" t="-1609"/>
+                  <a:fillRect l="-985" t="-1609" r="-563"/>
                 </a:stretch>
               </a:blipFill>
             </p:spPr>
@@ -20541,20 +20580,41 @@
                         <a:ea typeface="Yu Gothic" panose="020B0400000000000000" pitchFamily="34" charset="-128"/>
                         <a:cs typeface="Times New Roman" panose="02020603050405020304" pitchFamily="18" charset="0"/>
                       </a:rPr>
-                      <m:t>=[3.71</m:t>
+                      <m:t>=</m:t>
                     </m:r>
-                    <m:r>
-                      <a:rPr lang="en-US" sz="2200" b="0" i="1" smtClean="0">
-                        <a:effectLst/>
-                        <a:latin typeface="Cambria Math" panose="02040503050406030204" pitchFamily="18" charset="0"/>
-                        <a:ea typeface="Yu Gothic" panose="020B0400000000000000" pitchFamily="34" charset="-128"/>
-                        <a:cs typeface="Times New Roman" panose="02020603050405020304" pitchFamily="18" charset="0"/>
-                      </a:rPr>
-                      <m:t>]</m:t>
-                    </m:r>
+                    <m:d>
+                      <m:dPr>
+                        <m:begChr m:val="["/>
+                        <m:endChr m:val="]"/>
+                        <m:ctrlPr>
+                          <a:rPr lang="en-US" sz="2200" i="1">
+                            <a:effectLst/>
+                            <a:latin typeface="Cambria Math" panose="02040503050406030204" pitchFamily="18" charset="0"/>
+                            <a:ea typeface="Yu Gothic" panose="020B0400000000000000" pitchFamily="34" charset="-128"/>
+                            <a:cs typeface="Times New Roman" panose="02020603050405020304" pitchFamily="18" charset="0"/>
+                          </a:rPr>
+                        </m:ctrlPr>
+                      </m:dPr>
+                      <m:e>
+                        <m:r>
+                          <a:rPr lang="en-US" sz="2200" i="1">
+                            <a:effectLst/>
+                            <a:latin typeface="Cambria Math" panose="02040503050406030204" pitchFamily="18" charset="0"/>
+                            <a:ea typeface="Yu Gothic" panose="020B0400000000000000" pitchFamily="34" charset="-128"/>
+                            <a:cs typeface="Times New Roman" panose="02020603050405020304" pitchFamily="18" charset="0"/>
+                          </a:rPr>
+                          <m:t>3.71</m:t>
+                        </m:r>
+                      </m:e>
+                    </m:d>
                   </m:oMath>
                 </a14:m>
-                <a:endParaRPr lang="en-US" sz="2200" dirty="0"/>
+                <a:endParaRPr lang="en-US" sz="2200" b="0" i="1" dirty="0">
+                  <a:effectLst/>
+                  <a:latin typeface="Cambria Math" panose="02040503050406030204" pitchFamily="18" charset="0"/>
+                  <a:ea typeface="Yu Gothic" panose="020B0400000000000000" pitchFamily="34" charset="-128"/>
+                  <a:cs typeface="Times New Roman" panose="02020603050405020304" pitchFamily="18" charset="0"/>
+                </a:endParaRPr>
               </a:p>
               <a:p>
                 <a:pPr lvl="1"/>
@@ -20563,90 +20623,130 @@
                     <m:sSub>
                       <m:sSubPr>
                         <m:ctrlPr>
-                          <a:rPr lang="en-US" sz="2200" i="1" smtClean="0">
-                            <a:effectLst/>
-                            <a:latin typeface="Cambria Math" panose="02040503050406030204" pitchFamily="18" charset="0"/>
-                          </a:rPr>
+                          <a:rPr lang="en-US" i="1"/>
                         </m:ctrlPr>
                       </m:sSubPr>
                       <m:e>
                         <m:r>
-                          <a:rPr lang="en-US" sz="2200" i="1">
-                            <a:effectLst/>
-                            <a:latin typeface="Cambria Math" panose="02040503050406030204" pitchFamily="18" charset="0"/>
-                            <a:ea typeface="Yu Gothic" panose="020B0400000000000000" pitchFamily="34" charset="-128"/>
-                            <a:cs typeface="Times New Roman" panose="02020603050405020304" pitchFamily="18" charset="0"/>
-                          </a:rPr>
+                          <a:rPr lang="en-US" i="1"/>
                           <m:t>𝑃</m:t>
                         </m:r>
                       </m:e>
                       <m:sub>
                         <m:r>
-                          <a:rPr lang="en-US" sz="2200" i="1">
-                            <a:effectLst/>
-                            <a:latin typeface="Cambria Math" panose="02040503050406030204" pitchFamily="18" charset="0"/>
-                            <a:ea typeface="Yu Gothic" panose="020B0400000000000000" pitchFamily="34" charset="-128"/>
-                            <a:cs typeface="Times New Roman" panose="02020603050405020304" pitchFamily="18" charset="0"/>
-                          </a:rPr>
+                          <a:rPr lang="en-US" i="1"/>
                           <m:t>2</m:t>
                         </m:r>
                       </m:sub>
                     </m:sSub>
                     <m:r>
-                      <a:rPr lang="en-US" sz="2200" i="1">
-                        <a:effectLst/>
-                        <a:latin typeface="Cambria Math" panose="02040503050406030204" pitchFamily="18" charset="0"/>
-                        <a:ea typeface="Yu Gothic" panose="020B0400000000000000" pitchFamily="34" charset="-128"/>
-                        <a:cs typeface="Times New Roman" panose="02020603050405020304" pitchFamily="18" charset="0"/>
-                      </a:rPr>
-                      <m:t>=[1]</m:t>
+                      <a:rPr lang="en-US" i="1"/>
+                      <m:t>=</m:t>
                     </m:r>
+                    <m:r>
+                      <a:rPr lang="en-US" i="1"/>
+                      <m:t>𝑠𝑜𝑓𝑡𝑚𝑎𝑥</m:t>
+                    </m:r>
+                    <m:d>
+                      <m:dPr>
+                        <m:ctrlPr>
+                          <a:rPr lang="en-US" i="1"/>
+                        </m:ctrlPr>
+                      </m:dPr>
+                      <m:e>
+                        <m:r>
+                          <a:rPr lang="en-US" i="1"/>
+                          <m:t>𝑆𝑐𝑎𝑙𝑒𝑑𝑆𝑐𝑜𝑟𝑒</m:t>
+                        </m:r>
+                        <m:sSub>
+                          <m:sSubPr>
+                            <m:ctrlPr>
+                              <a:rPr lang="en-US" i="1"/>
+                            </m:ctrlPr>
+                          </m:sSubPr>
+                          <m:e>
+                            <m:r>
+                              <a:rPr lang="en-US" i="1"/>
+                              <m:t>𝑠</m:t>
+                            </m:r>
+                          </m:e>
+                          <m:sub>
+                            <m:r>
+                              <a:rPr lang="en-US" i="1"/>
+                              <m:t>2</m:t>
+                            </m:r>
+                          </m:sub>
+                        </m:sSub>
+                        <m:r>
+                          <a:rPr lang="en-US" i="1"/>
+                          <m:t>+</m:t>
+                        </m:r>
+                        <m:r>
+                          <a:rPr lang="en-US" i="1"/>
+                          <m:t>𝑀𝑎𝑠𝑘</m:t>
+                        </m:r>
+                      </m:e>
+                    </m:d>
+                    <m:r>
+                      <a:rPr lang="en-US" i="1"/>
+                      <m:t>=</m:t>
+                    </m:r>
+                    <m:d>
+                      <m:dPr>
+                        <m:begChr m:val="["/>
+                        <m:endChr m:val="]"/>
+                        <m:ctrlPr>
+                          <a:rPr lang="en-US" i="1"/>
+                        </m:ctrlPr>
+                      </m:dPr>
+                      <m:e>
+                        <m:r>
+                          <a:rPr lang="en-US" i="1"/>
+                          <m:t>1</m:t>
+                        </m:r>
+                      </m:e>
+                    </m:d>
+                    <m:r>
+                      <a:rPr lang="en-US" i="1"/>
+                      <m:t> </m:t>
+                    </m:r>
+                    <m:d>
+                      <m:dPr>
+                        <m:ctrlPr>
+                          <a:rPr lang="en-US" i="1"/>
+                        </m:ctrlPr>
+                      </m:dPr>
+                      <m:e>
+                        <m:r>
+                          <a:rPr lang="en-US" i="1"/>
+                          <m:t>𝑀𝑎𝑠𝑘</m:t>
+                        </m:r>
+                        <m:r>
+                          <a:rPr lang="en-US" i="1"/>
+                          <m:t>=</m:t>
+                        </m:r>
+                        <m:d>
+                          <m:dPr>
+                            <m:begChr m:val="["/>
+                            <m:endChr m:val="]"/>
+                            <m:ctrlPr>
+                              <a:rPr lang="en-US" i="1"/>
+                            </m:ctrlPr>
+                          </m:dPr>
+                          <m:e>
+                            <m:r>
+                              <a:rPr lang="en-US" i="1"/>
+                              <m:t>0</m:t>
+                            </m:r>
+                          </m:e>
+                        </m:d>
+                      </m:e>
+                    </m:d>
                   </m:oMath>
                 </a14:m>
                 <a:r>
-                  <a:rPr lang="en-US" sz="2200" dirty="0">
-                    <a:effectLst/>
-                    <a:latin typeface="Aptos" panose="020B0004020202020204" pitchFamily="34" charset="0"/>
-                    <a:ea typeface="Yu Gothic" panose="020B0400000000000000" pitchFamily="34" charset="-128"/>
-                    <a:cs typeface="Times New Roman" panose="02020603050405020304" pitchFamily="18" charset="0"/>
-                  </a:rPr>
-                  <a:t> (Sau mask </a:t>
-                </a:r>
-                <a:r>
-                  <a:rPr lang="en-US" sz="2200" dirty="0" err="1">
-                    <a:effectLst/>
-                    <a:latin typeface="Aptos" panose="020B0004020202020204" pitchFamily="34" charset="0"/>
-                    <a:ea typeface="Yu Gothic" panose="020B0400000000000000" pitchFamily="34" charset="-128"/>
-                    <a:cs typeface="Times New Roman" panose="02020603050405020304" pitchFamily="18" charset="0"/>
-                  </a:rPr>
-                  <a:t>và</a:t>
-                </a:r>
-                <a:r>
-                  <a:rPr lang="en-US" sz="2200" dirty="0">
-                    <a:effectLst/>
-                    <a:latin typeface="Aptos" panose="020B0004020202020204" pitchFamily="34" charset="0"/>
-                    <a:ea typeface="Yu Gothic" panose="020B0400000000000000" pitchFamily="34" charset="-128"/>
-                    <a:cs typeface="Times New Roman" panose="02020603050405020304" pitchFamily="18" charset="0"/>
-                  </a:rPr>
+                  <a:rPr lang="en-US" dirty="0"/>
                   <a:t> </a:t>
-                </a:r>
-                <a:r>
-                  <a:rPr lang="en-US" sz="2200" dirty="0" err="1">
-                    <a:effectLst/>
-                    <a:latin typeface="Aptos" panose="020B0004020202020204" pitchFamily="34" charset="0"/>
-                    <a:ea typeface="Yu Gothic" panose="020B0400000000000000" pitchFamily="34" charset="-128"/>
-                    <a:cs typeface="Times New Roman" panose="02020603050405020304" pitchFamily="18" charset="0"/>
-                  </a:rPr>
-                  <a:t>softmax</a:t>
-                </a:r>
-                <a:r>
-                  <a:rPr lang="en-US" sz="2200" dirty="0">
-                    <a:effectLst/>
-                    <a:latin typeface="Aptos" panose="020B0004020202020204" pitchFamily="34" charset="0"/>
-                    <a:ea typeface="Yu Gothic" panose="020B0400000000000000" pitchFamily="34" charset="-128"/>
-                    <a:cs typeface="Times New Roman" panose="02020603050405020304" pitchFamily="18" charset="0"/>
-                  </a:rPr>
-                  <a:t>)</a:t>
                 </a:r>
               </a:p>
               <a:p>
@@ -20996,8 +21096,8 @@
           </a:p>
         </p:txBody>
       </p:sp>
-      <mc:AlternateContent xmlns:mc="http://schemas.openxmlformats.org/markup-compatibility/2006">
-        <mc:Choice xmlns:a14="http://schemas.microsoft.com/office/drawing/2010/main" Requires="a14">
+      <mc:AlternateContent xmlns:mc="http://schemas.openxmlformats.org/markup-compatibility/2006" xmlns:a14="http://schemas.microsoft.com/office/drawing/2010/main">
+        <mc:Choice Requires="a14">
           <p:sp>
             <p:nvSpPr>
               <p:cNvPr id="4" name="Content Placeholder 3">
@@ -21297,7 +21397,7 @@
             </p:txBody>
           </p:sp>
         </mc:Choice>
-        <mc:Fallback>
+        <mc:Fallback xmlns="">
           <p:sp>
             <p:nvSpPr>
               <p:cNvPr id="4" name="Content Placeholder 3">
@@ -21446,8 +21546,8 @@
           </a:p>
         </p:txBody>
       </p:sp>
-      <mc:AlternateContent xmlns:mc="http://schemas.openxmlformats.org/markup-compatibility/2006">
-        <mc:Choice xmlns:a14="http://schemas.microsoft.com/office/drawing/2010/main" Requires="a14">
+      <mc:AlternateContent xmlns:mc="http://schemas.openxmlformats.org/markup-compatibility/2006" xmlns:a14="http://schemas.microsoft.com/office/drawing/2010/main">
+        <mc:Choice Requires="a14">
           <p:sp>
             <p:nvSpPr>
               <p:cNvPr id="4" name="Content Placeholder 3">
@@ -21705,7 +21805,9 @@
                       <m:t> =</m:t>
                     </m:r>
                     <m:r>
-                      <a:rPr lang="en-US" sz="2400" i="1"/>
+                      <a:rPr lang="en-US" sz="2400" i="1">
+                        <a:latin typeface="Cambria Math" panose="02040503050406030204" pitchFamily="18" charset="0"/>
+                      </a:rPr>
                       <m:t> </m:t>
                     </m:r>
                     <m:d>
@@ -21713,7 +21815,9 @@
                         <m:begChr m:val="["/>
                         <m:endChr m:val="]"/>
                         <m:ctrlPr>
-                          <a:rPr lang="en-US" sz="2400" i="1"/>
+                          <a:rPr lang="en-US" sz="2400" i="1">
+                            <a:latin typeface="Cambria Math" panose="02040503050406030204" pitchFamily="18" charset="0"/>
+                          </a:rPr>
                         </m:ctrlPr>
                       </m:dPr>
                       <m:e>
@@ -21728,31 +21832,41 @@
                               </m:mc>
                             </m:mcs>
                             <m:ctrlPr>
-                              <a:rPr lang="en-US" sz="2400" i="1"/>
+                              <a:rPr lang="en-US" sz="2400" i="1">
+                                <a:latin typeface="Cambria Math" panose="02040503050406030204" pitchFamily="18" charset="0"/>
+                              </a:rPr>
                             </m:ctrlPr>
                           </m:mPr>
                           <m:mr>
                             <m:e>
                               <m:r>
-                                <a:rPr lang="en-US" sz="2400" i="1"/>
+                                <a:rPr lang="en-US" sz="2400" i="1">
+                                  <a:latin typeface="Cambria Math" panose="02040503050406030204" pitchFamily="18" charset="0"/>
+                                </a:rPr>
                                 <m:t>1.5</m:t>
                               </m:r>
                             </m:e>
                             <m:e>
                               <m:r>
-                                <a:rPr lang="en-US" sz="2400" i="1"/>
+                                <a:rPr lang="en-US" sz="2400" i="1">
+                                  <a:latin typeface="Cambria Math" panose="02040503050406030204" pitchFamily="18" charset="0"/>
+                                </a:rPr>
                                 <m:t>1.5</m:t>
                               </m:r>
                             </m:e>
                             <m:e>
                               <m:r>
-                                <a:rPr lang="en-US" sz="2400" i="1"/>
+                                <a:rPr lang="en-US" sz="2400" i="1">
+                                  <a:latin typeface="Cambria Math" panose="02040503050406030204" pitchFamily="18" charset="0"/>
+                                </a:rPr>
                                 <m:t>2</m:t>
                               </m:r>
                             </m:e>
                             <m:e>
                               <m:r>
-                                <a:rPr lang="en-US" sz="2400" i="1"/>
+                                <a:rPr lang="en-US" sz="2400" i="1">
+                                  <a:latin typeface="Cambria Math" panose="02040503050406030204" pitchFamily="18" charset="0"/>
+                                </a:rPr>
                                 <m:t>3.5</m:t>
                               </m:r>
                             </m:e>
@@ -21839,7 +21953,9 @@
                         <m:begChr m:val="["/>
                         <m:endChr m:val="]"/>
                         <m:ctrlPr>
-                          <a:rPr lang="en-US" sz="2400" i="1"/>
+                          <a:rPr lang="en-US" sz="2400" i="1">
+                            <a:latin typeface="Cambria Math" panose="02040503050406030204" pitchFamily="18" charset="0"/>
+                          </a:rPr>
                         </m:ctrlPr>
                       </m:dPr>
                       <m:e>
@@ -21854,31 +21970,41 @@
                               </m:mc>
                             </m:mcs>
                             <m:ctrlPr>
-                              <a:rPr lang="en-US" sz="2400" i="1"/>
+                              <a:rPr lang="en-US" sz="2400" i="1">
+                                <a:latin typeface="Cambria Math" panose="02040503050406030204" pitchFamily="18" charset="0"/>
+                              </a:rPr>
                             </m:ctrlPr>
                           </m:mPr>
                           <m:mr>
                             <m:e>
                               <m:r>
-                                <a:rPr lang="en-US" sz="2400" i="1"/>
+                                <a:rPr lang="en-US" sz="2400" i="1">
+                                  <a:latin typeface="Cambria Math" panose="02040503050406030204" pitchFamily="18" charset="0"/>
+                                </a:rPr>
                                 <m:t>−0.76</m:t>
                               </m:r>
                             </m:e>
                             <m:e>
                               <m:r>
-                                <a:rPr lang="en-US" sz="2400" i="1"/>
+                                <a:rPr lang="en-US" sz="2400" i="1">
+                                  <a:latin typeface="Cambria Math" panose="02040503050406030204" pitchFamily="18" charset="0"/>
+                                </a:rPr>
                                 <m:t>−0.76</m:t>
                               </m:r>
                             </m:e>
                             <m:e>
                               <m:r>
-                                <a:rPr lang="en-US" sz="2400" i="1"/>
+                                <a:rPr lang="en-US" sz="2400" i="1">
+                                  <a:latin typeface="Cambria Math" panose="02040503050406030204" pitchFamily="18" charset="0"/>
+                                </a:rPr>
                                 <m:t>−0.15</m:t>
                               </m:r>
                             </m:e>
                             <m:e>
                               <m:r>
-                                <a:rPr lang="en-US" sz="2400" i="1"/>
+                                <a:rPr lang="en-US" sz="2400" i="1">
+                                  <a:latin typeface="Cambria Math" panose="02040503050406030204" pitchFamily="18" charset="0"/>
+                                </a:rPr>
                                 <m:t>1.67</m:t>
                               </m:r>
                             </m:e>
@@ -21893,7 +22019,7 @@
             </p:txBody>
           </p:sp>
         </mc:Choice>
-        <mc:Fallback>
+        <mc:Fallback xmlns="">
           <p:sp>
             <p:nvSpPr>
               <p:cNvPr id="4" name="Content Placeholder 3">
